--- a/PLPTH813Bioinformatis/2019/labs/lab10_assembly.pptx
+++ b/PLPTH813Bioinformatis/2019/labs/lab10_assembly.pptx
@@ -23,9 +23,9 @@
     <p:sldId id="319" r:id="rId14"/>
     <p:sldId id="320" r:id="rId15"/>
     <p:sldId id="317" r:id="rId16"/>
-    <p:sldId id="316" r:id="rId17"/>
-    <p:sldId id="318" r:id="rId18"/>
-    <p:sldId id="324" r:id="rId19"/>
+    <p:sldId id="318" r:id="rId17"/>
+    <p:sldId id="324" r:id="rId18"/>
+    <p:sldId id="316" r:id="rId19"/>
   </p:sldIdLst>
   <p:sldSz cx="9144000" cy="6858000" type="screen4x3"/>
   <p:notesSz cx="6858000" cy="9144000"/>
@@ -209,7 +209,7 @@
           <a:p>
             <a:fld id="{08E6E0A8-E17C-C949-B17E-7A1A6494483A}" type="datetimeFigureOut">
               <a:rPr lang="en-US" smtClean="0"/>
-              <a:t>4/10/19</a:t>
+              <a:t>4/11/19</a:t>
             </a:fld>
             <a:endParaRPr lang="en-US"/>
           </a:p>
@@ -942,7 +942,7 @@
           <a:p>
             <a:fld id="{42B8B0BE-C8D7-EB48-AD68-71DB5002F24B}" type="datetimeFigureOut">
               <a:rPr lang="en-US" smtClean="0"/>
-              <a:t>4/10/19</a:t>
+              <a:t>4/11/19</a:t>
             </a:fld>
             <a:endParaRPr lang="en-US"/>
           </a:p>
@@ -1112,7 +1112,7 @@
           <a:p>
             <a:fld id="{42B8B0BE-C8D7-EB48-AD68-71DB5002F24B}" type="datetimeFigureOut">
               <a:rPr lang="en-US" smtClean="0"/>
-              <a:t>4/10/19</a:t>
+              <a:t>4/11/19</a:t>
             </a:fld>
             <a:endParaRPr lang="en-US"/>
           </a:p>
@@ -1292,7 +1292,7 @@
           <a:p>
             <a:fld id="{42B8B0BE-C8D7-EB48-AD68-71DB5002F24B}" type="datetimeFigureOut">
               <a:rPr lang="en-US" smtClean="0"/>
-              <a:t>4/10/19</a:t>
+              <a:t>4/11/19</a:t>
             </a:fld>
             <a:endParaRPr lang="en-US"/>
           </a:p>
@@ -1462,7 +1462,7 @@
           <a:p>
             <a:fld id="{42B8B0BE-C8D7-EB48-AD68-71DB5002F24B}" type="datetimeFigureOut">
               <a:rPr lang="en-US" smtClean="0"/>
-              <a:t>4/10/19</a:t>
+              <a:t>4/11/19</a:t>
             </a:fld>
             <a:endParaRPr lang="en-US"/>
           </a:p>
@@ -1708,7 +1708,7 @@
           <a:p>
             <a:fld id="{42B8B0BE-C8D7-EB48-AD68-71DB5002F24B}" type="datetimeFigureOut">
               <a:rPr lang="en-US" smtClean="0"/>
-              <a:t>4/10/19</a:t>
+              <a:t>4/11/19</a:t>
             </a:fld>
             <a:endParaRPr lang="en-US"/>
           </a:p>
@@ -1996,7 +1996,7 @@
           <a:p>
             <a:fld id="{42B8B0BE-C8D7-EB48-AD68-71DB5002F24B}" type="datetimeFigureOut">
               <a:rPr lang="en-US" smtClean="0"/>
-              <a:t>4/10/19</a:t>
+              <a:t>4/11/19</a:t>
             </a:fld>
             <a:endParaRPr lang="en-US"/>
           </a:p>
@@ -2418,7 +2418,7 @@
           <a:p>
             <a:fld id="{42B8B0BE-C8D7-EB48-AD68-71DB5002F24B}" type="datetimeFigureOut">
               <a:rPr lang="en-US" smtClean="0"/>
-              <a:t>4/10/19</a:t>
+              <a:t>4/11/19</a:t>
             </a:fld>
             <a:endParaRPr lang="en-US"/>
           </a:p>
@@ -2536,7 +2536,7 @@
           <a:p>
             <a:fld id="{42B8B0BE-C8D7-EB48-AD68-71DB5002F24B}" type="datetimeFigureOut">
               <a:rPr lang="en-US" smtClean="0"/>
-              <a:t>4/10/19</a:t>
+              <a:t>4/11/19</a:t>
             </a:fld>
             <a:endParaRPr lang="en-US"/>
           </a:p>
@@ -2631,7 +2631,7 @@
           <a:p>
             <a:fld id="{42B8B0BE-C8D7-EB48-AD68-71DB5002F24B}" type="datetimeFigureOut">
               <a:rPr lang="en-US" smtClean="0"/>
-              <a:t>4/10/19</a:t>
+              <a:t>4/11/19</a:t>
             </a:fld>
             <a:endParaRPr lang="en-US"/>
           </a:p>
@@ -2908,7 +2908,7 @@
           <a:p>
             <a:fld id="{42B8B0BE-C8D7-EB48-AD68-71DB5002F24B}" type="datetimeFigureOut">
               <a:rPr lang="en-US" smtClean="0"/>
-              <a:t>4/10/19</a:t>
+              <a:t>4/11/19</a:t>
             </a:fld>
             <a:endParaRPr lang="en-US"/>
           </a:p>
@@ -3161,7 +3161,7 @@
           <a:p>
             <a:fld id="{42B8B0BE-C8D7-EB48-AD68-71DB5002F24B}" type="datetimeFigureOut">
               <a:rPr lang="en-US" smtClean="0"/>
-              <a:t>4/10/19</a:t>
+              <a:t>4/11/19</a:t>
             </a:fld>
             <a:endParaRPr lang="en-US"/>
           </a:p>
@@ -3374,7 +3374,7 @@
           <a:p>
             <a:fld id="{42B8B0BE-C8D7-EB48-AD68-71DB5002F24B}" type="datetimeFigureOut">
               <a:rPr lang="en-US" smtClean="0"/>
-              <a:t>4/10/19</a:t>
+              <a:t>4/11/19</a:t>
             </a:fld>
             <a:endParaRPr lang="en-US"/>
           </a:p>
@@ -5642,185 +5642,6 @@
           </a:p>
         </p:txBody>
       </p:sp>
-      <p:sp>
-        <p:nvSpPr>
-          <p:cNvPr id="3" name="Content Placeholder 2"/>
-          <p:cNvSpPr>
-            <a:spLocks noGrp="1"/>
-          </p:cNvSpPr>
-          <p:nvPr>
-            <p:ph idx="1"/>
-          </p:nvPr>
-        </p:nvSpPr>
-        <p:spPr>
-          <a:xfrm>
-            <a:off x="651587" y="4221317"/>
-            <a:ext cx="7942851" cy="1627849"/>
-          </a:xfrm>
-        </p:spPr>
-        <p:txBody>
-          <a:bodyPr>
-            <a:noAutofit/>
-          </a:bodyPr>
-          <a:lstStyle/>
-          <a:p>
-            <a:pPr marL="0" indent="0">
-              <a:buNone/>
-            </a:pPr>
-            <a:r>
-              <a:rPr lang="en-US" sz="1600" dirty="0" err="1" smtClean="0">
-                <a:latin typeface="Courier"/>
-                <a:cs typeface="Courier"/>
-              </a:rPr>
-              <a:t>datapath</a:t>
-            </a:r>
-            <a:r>
-              <a:rPr lang="en-US" sz="1600" dirty="0">
-                <a:latin typeface="Courier"/>
-                <a:cs typeface="Courier"/>
-              </a:rPr>
-              <a:t>=/homes/liu3zhen/teaching/BA17/Lab13_asm/</a:t>
-            </a:r>
-            <a:r>
-              <a:rPr lang="en-US" sz="1600" dirty="0" smtClean="0">
-                <a:latin typeface="Courier"/>
-                <a:cs typeface="Courier"/>
-              </a:rPr>
-              <a:t>data/</a:t>
-            </a:r>
-            <a:endParaRPr lang="en-US" sz="1600" dirty="0">
-              <a:latin typeface="Courier"/>
-              <a:cs typeface="Courier"/>
-            </a:endParaRPr>
-          </a:p>
-          <a:p>
-            <a:pPr marL="0" indent="0">
-              <a:buNone/>
-            </a:pPr>
-            <a:endParaRPr lang="en-US" sz="1600" dirty="0" smtClean="0">
-              <a:latin typeface="Courier"/>
-              <a:cs typeface="Courier"/>
-            </a:endParaRPr>
-          </a:p>
-          <a:p>
-            <a:pPr marL="0" indent="0">
-              <a:buNone/>
-            </a:pPr>
-            <a:r>
-              <a:rPr lang="en-US" sz="1600" dirty="0" smtClean="0">
-                <a:latin typeface="Courier"/>
-                <a:cs typeface="Courier"/>
-              </a:rPr>
-              <a:t>/</a:t>
-            </a:r>
-            <a:r>
-              <a:rPr lang="en-US" sz="1600" dirty="0">
-                <a:latin typeface="Courier"/>
-                <a:cs typeface="Courier"/>
-              </a:rPr>
-              <a:t>homes/liu3zhen/local/bin</a:t>
-            </a:r>
-            <a:r>
-              <a:rPr lang="en-US" sz="1600" dirty="0" smtClean="0">
-                <a:latin typeface="Courier"/>
-                <a:cs typeface="Courier"/>
-              </a:rPr>
-              <a:t>/</a:t>
-            </a:r>
-            <a:r>
-              <a:rPr lang="en-US" sz="1600" dirty="0" err="1" smtClean="0">
-                <a:latin typeface="Courier"/>
-                <a:cs typeface="Courier"/>
-              </a:rPr>
-              <a:t>DiscovarDeNovo</a:t>
-            </a:r>
-            <a:r>
-              <a:rPr lang="en-US" sz="1600" dirty="0" smtClean="0">
-                <a:latin typeface="Courier"/>
-                <a:cs typeface="Courier"/>
-              </a:rPr>
-              <a:t> \</a:t>
-            </a:r>
-          </a:p>
-          <a:p>
-            <a:pPr marL="0" indent="0">
-              <a:buNone/>
-            </a:pPr>
-            <a:r>
-              <a:rPr lang="en-US" sz="1600" dirty="0" smtClean="0">
-                <a:latin typeface="Courier"/>
-                <a:cs typeface="Courier"/>
-              </a:rPr>
-              <a:t>  READS=$</a:t>
-            </a:r>
-            <a:r>
-              <a:rPr lang="en-US" sz="1600" dirty="0" err="1" smtClean="0">
-                <a:latin typeface="Courier"/>
-                <a:cs typeface="Courier"/>
-              </a:rPr>
-              <a:t>datapath</a:t>
-            </a:r>
-            <a:r>
-              <a:rPr lang="en-US" sz="1600" dirty="0" smtClean="0">
-                <a:latin typeface="Courier"/>
-                <a:cs typeface="Courier"/>
-              </a:rPr>
-              <a:t>/</a:t>
-            </a:r>
-            <a:r>
-              <a:rPr lang="en-US" sz="1600" dirty="0" err="1" smtClean="0">
-                <a:latin typeface="Courier"/>
-                <a:cs typeface="Courier"/>
-              </a:rPr>
-              <a:t>reads.bam</a:t>
-            </a:r>
-            <a:r>
-              <a:rPr lang="en-US" sz="1600" dirty="0">
-                <a:latin typeface="Courier"/>
-                <a:cs typeface="Courier"/>
-              </a:rPr>
-              <a:t> </a:t>
-            </a:r>
-            <a:r>
-              <a:rPr lang="en-US" sz="1600" dirty="0" smtClean="0">
-                <a:latin typeface="Courier"/>
-                <a:cs typeface="Courier"/>
-              </a:rPr>
-              <a:t>\</a:t>
-            </a:r>
-          </a:p>
-          <a:p>
-            <a:pPr marL="0" indent="0">
-              <a:buNone/>
-            </a:pPr>
-            <a:r>
-              <a:rPr lang="en-US" sz="1600" dirty="0" smtClean="0">
-                <a:latin typeface="Courier"/>
-                <a:cs typeface="Courier"/>
-              </a:rPr>
-              <a:t>  OUT_DIR</a:t>
-            </a:r>
-            <a:r>
-              <a:rPr lang="en-US" sz="1600" dirty="0">
-                <a:latin typeface="Courier"/>
-                <a:cs typeface="Courier"/>
-              </a:rPr>
-              <a:t>=</a:t>
-            </a:r>
-            <a:r>
-              <a:rPr lang="en-US" sz="1600" dirty="0" err="1" smtClean="0">
-                <a:latin typeface="Courier"/>
-                <a:cs typeface="Courier"/>
-              </a:rPr>
-              <a:t>asm</a:t>
-            </a:r>
-            <a:endParaRPr lang="en-US" sz="1600" dirty="0" smtClean="0">
-              <a:latin typeface="Courier"/>
-              <a:cs typeface="Courier"/>
-            </a:endParaRPr>
-          </a:p>
-        </p:txBody>
-      </p:sp>
       <p:pic>
         <p:nvPicPr>
           <p:cNvPr id="4" name="Picture 3"/>
@@ -5975,12 +5796,8 @@
           <a:lstStyle/>
           <a:p>
             <a:r>
-              <a:rPr lang="en-US" dirty="0" err="1" smtClean="0"/>
-              <a:t>Discovar</a:t>
-            </a:r>
-            <a:r>
               <a:rPr lang="en-US" dirty="0" smtClean="0"/>
-              <a:t> output</a:t>
+              <a:t>How to convert FASTQ to BAM?</a:t>
             </a:r>
             <a:endParaRPr lang="en-US" dirty="0"/>
           </a:p>
@@ -5998,250 +5815,408 @@
         </p:nvSpPr>
         <p:spPr>
           <a:xfrm>
-            <a:off x="457200" y="3444708"/>
-            <a:ext cx="8229600" cy="1934814"/>
+            <a:off x="457200" y="1058704"/>
+            <a:ext cx="8628558" cy="5011559"/>
           </a:xfrm>
         </p:spPr>
         <p:txBody>
-          <a:bodyPr/>
-          <a:lstStyle/>
-          <a:p>
-            <a:pPr marL="0" indent="0">
-              <a:buNone/>
-            </a:pPr>
-            <a:r>
-              <a:rPr lang="en-US" b="1" dirty="0" err="1">
-                <a:solidFill>
-                  <a:srgbClr val="17375E"/>
-                </a:solidFill>
-              </a:rPr>
-              <a:t>a.fasta</a:t>
-            </a:r>
-            <a:r>
-              <a:rPr lang="en-US" dirty="0"/>
-              <a:t> = </a:t>
-            </a:r>
-            <a:r>
-              <a:rPr lang="en-US" dirty="0" err="1"/>
-              <a:t>fasta</a:t>
-            </a:r>
-            <a:r>
-              <a:rPr lang="en-US" dirty="0"/>
-              <a:t> file of </a:t>
-            </a:r>
-            <a:r>
-              <a:rPr lang="en-US" dirty="0" smtClean="0"/>
-              <a:t>edges</a:t>
-            </a:r>
-          </a:p>
-          <a:p>
-            <a:pPr marL="0" indent="0">
-              <a:buNone/>
-            </a:pPr>
-            <a:endParaRPr lang="en-US" dirty="0"/>
-          </a:p>
-          <a:p>
-            <a:pPr marL="0" indent="0">
-              <a:buNone/>
-            </a:pPr>
-            <a:r>
-              <a:rPr lang="en-US" b="1" dirty="0" err="1" smtClean="0">
-                <a:solidFill>
-                  <a:srgbClr val="17375E"/>
-                </a:solidFill>
-              </a:rPr>
-              <a:t>a.lines.fasta</a:t>
-            </a:r>
-            <a:r>
-              <a:rPr lang="en-US" dirty="0" smtClean="0"/>
-              <a:t> </a:t>
-            </a:r>
-            <a:r>
-              <a:rPr lang="en-US" dirty="0"/>
-              <a:t>= standard scaffold </a:t>
-            </a:r>
-            <a:r>
-              <a:rPr lang="en-US" dirty="0" err="1"/>
-              <a:t>fasta</a:t>
-            </a:r>
-            <a:r>
-              <a:rPr lang="en-US" dirty="0"/>
-              <a:t> file, obtained by taking the highest coverage path through each cell; LOSES </a:t>
-            </a:r>
-            <a:r>
-              <a:rPr lang="en-US" dirty="0" smtClean="0"/>
-              <a:t>INFORMATION</a:t>
-            </a:r>
-            <a:endParaRPr lang="en-US" dirty="0"/>
-          </a:p>
-        </p:txBody>
-      </p:sp>
-      <p:pic>
-        <p:nvPicPr>
-          <p:cNvPr id="4" name="Picture 3"/>
-          <p:cNvPicPr>
-            <a:picLocks noChangeAspect="1"/>
-          </p:cNvPicPr>
-          <p:nvPr/>
-        </p:nvPicPr>
-        <p:blipFill>
-          <a:blip r:embed="rId2"/>
-          <a:stretch>
-            <a:fillRect/>
-          </a:stretch>
-        </p:blipFill>
-        <p:spPr>
-          <a:xfrm>
-            <a:off x="190500" y="1930400"/>
-            <a:ext cx="8750300" cy="596900"/>
-          </a:xfrm>
-          <a:prstGeom prst="rect">
-            <a:avLst/>
-          </a:prstGeom>
-        </p:spPr>
-      </p:pic>
-      <p:sp>
-        <p:nvSpPr>
-          <p:cNvPr id="5" name="Rectangle 4"/>
-          <p:cNvSpPr/>
-          <p:nvPr/>
-        </p:nvSpPr>
-        <p:spPr>
-          <a:xfrm>
-            <a:off x="457200" y="5941797"/>
-            <a:ext cx="7161593" cy="369332"/>
-          </a:xfrm>
-          <a:prstGeom prst="rect">
-            <a:avLst/>
-          </a:prstGeom>
-        </p:spPr>
-        <p:txBody>
-          <a:bodyPr wrap="square">
-            <a:spAutoFit/>
+          <a:bodyPr>
+            <a:normAutofit/>
           </a:bodyPr>
           <a:lstStyle/>
           <a:p>
-            <a:r>
-              <a:rPr lang="en-US" dirty="0"/>
-              <a:t>http://</a:t>
-            </a:r>
-            <a:r>
-              <a:rPr lang="en-US" dirty="0" err="1"/>
-              <a:t>www.broadinstitute.org</a:t>
-            </a:r>
-            <a:r>
-              <a:rPr lang="en-US" dirty="0"/>
-              <a:t>/software/</a:t>
-            </a:r>
-            <a:r>
-              <a:rPr lang="en-US" dirty="0" err="1"/>
-              <a:t>discovar</a:t>
-            </a:r>
-            <a:r>
-              <a:rPr lang="en-US" dirty="0"/>
-              <a:t>/blog/?</a:t>
-            </a:r>
-            <a:r>
-              <a:rPr lang="en-US" dirty="0" err="1"/>
-              <a:t>page_id</a:t>
-            </a:r>
-            <a:r>
-              <a:rPr lang="en-US" dirty="0"/>
-              <a:t>=517</a:t>
-            </a:r>
-          </a:p>
-        </p:txBody>
-      </p:sp>
-      <p:sp>
-        <p:nvSpPr>
-          <p:cNvPr id="6" name="TextBox 5"/>
-          <p:cNvSpPr txBox="1"/>
-          <p:nvPr/>
-        </p:nvSpPr>
-        <p:spPr>
-          <a:xfrm>
-            <a:off x="447315" y="2939285"/>
-            <a:ext cx="4275529" cy="400110"/>
-          </a:xfrm>
-          <a:prstGeom prst="rect">
-            <a:avLst/>
-          </a:prstGeom>
-          <a:noFill/>
-        </p:spPr>
-        <p:txBody>
-          <a:bodyPr wrap="none" rtlCol="0">
-            <a:spAutoFit/>
-          </a:bodyPr>
-          <a:lstStyle/>
-          <a:p>
-            <a:r>
-              <a:rPr lang="en-US" dirty="0" smtClean="0"/>
-              <a:t>In the folder of </a:t>
-            </a:r>
-            <a:r>
-              <a:rPr lang="en-US" sz="2000" b="1" dirty="0" smtClean="0">
+            <a:pPr marL="0" indent="0">
+              <a:buNone/>
+            </a:pPr>
+            <a:r>
+              <a:rPr lang="en-US" sz="1800" dirty="0" smtClean="0">
+                <a:latin typeface="Courier"/>
+                <a:cs typeface="Courier"/>
+              </a:rPr>
+              <a:t>### randomly sample 100 paired reads:</a:t>
+            </a:r>
+          </a:p>
+          <a:p>
+            <a:pPr marL="0" indent="0">
+              <a:buNone/>
+            </a:pPr>
+            <a:r>
+              <a:rPr lang="en-US" sz="1800" dirty="0" err="1" smtClean="0">
+                <a:latin typeface="Courier"/>
+                <a:cs typeface="Courier"/>
+              </a:rPr>
+              <a:t>seqtk</a:t>
+            </a:r>
+            <a:r>
+              <a:rPr lang="en-US" sz="1800" dirty="0" smtClean="0">
+                <a:latin typeface="Courier"/>
+                <a:cs typeface="Courier"/>
+              </a:rPr>
+              <a:t> </a:t>
+            </a:r>
+            <a:r>
+              <a:rPr lang="en-US" sz="1800" dirty="0">
+                <a:latin typeface="Courier"/>
+                <a:cs typeface="Courier"/>
+              </a:rPr>
+              <a:t>sample -s 11 /homes/liu3zhen/teaching/BA19/Lab10_asm/data/</a:t>
+            </a:r>
+            <a:r>
+              <a:rPr lang="en-US" sz="1800" dirty="0" smtClean="0">
+                <a:latin typeface="Courier"/>
+                <a:cs typeface="Courier"/>
+              </a:rPr>
+              <a:t>MG1655_1.5M_R1</a:t>
+            </a:r>
+            <a:r>
+              <a:rPr lang="en-US" sz="1800" dirty="0">
+                <a:latin typeface="Courier"/>
+                <a:cs typeface="Courier"/>
+              </a:rPr>
+              <a:t>.fastq 100 &gt; s_R1.</a:t>
+            </a:r>
+            <a:r>
+              <a:rPr lang="en-US" sz="1800" dirty="0" smtClean="0">
+                <a:latin typeface="Courier"/>
+                <a:cs typeface="Courier"/>
+              </a:rPr>
+              <a:t>fq</a:t>
+            </a:r>
+          </a:p>
+          <a:p>
+            <a:pPr marL="0" indent="0">
+              <a:buNone/>
+            </a:pPr>
+            <a:endParaRPr lang="en-US" sz="1800" dirty="0" smtClean="0">
+              <a:latin typeface="Courier"/>
+              <a:cs typeface="Courier"/>
+            </a:endParaRPr>
+          </a:p>
+          <a:p>
+            <a:pPr marL="0" indent="0">
+              <a:buNone/>
+            </a:pPr>
+            <a:r>
+              <a:rPr lang="en-US" sz="1800" dirty="0" err="1" smtClean="0">
+                <a:latin typeface="Courier"/>
+                <a:cs typeface="Courier"/>
+              </a:rPr>
+              <a:t>seqtk</a:t>
+            </a:r>
+            <a:r>
+              <a:rPr lang="en-US" sz="1800" dirty="0" smtClean="0">
+                <a:latin typeface="Courier"/>
+                <a:cs typeface="Courier"/>
+              </a:rPr>
+              <a:t> </a:t>
+            </a:r>
+            <a:r>
+              <a:rPr lang="en-US" sz="1800" dirty="0">
+                <a:latin typeface="Courier"/>
+                <a:cs typeface="Courier"/>
+              </a:rPr>
+              <a:t>sample -s 11 /homes/liu3zhen/teaching/BA19/Lab10_asm/data/</a:t>
+            </a:r>
+            <a:r>
+              <a:rPr lang="en-US" sz="1800" dirty="0" smtClean="0">
+                <a:latin typeface="Courier"/>
+                <a:cs typeface="Courier"/>
+              </a:rPr>
+              <a:t>MG1655_1.5M_R2</a:t>
+            </a:r>
+            <a:r>
+              <a:rPr lang="en-US" sz="1800" dirty="0">
+                <a:latin typeface="Courier"/>
+                <a:cs typeface="Courier"/>
+              </a:rPr>
+              <a:t>.fastq 100 &gt; s_R2.</a:t>
+            </a:r>
+            <a:r>
+              <a:rPr lang="en-US" sz="1800" dirty="0" smtClean="0">
+                <a:latin typeface="Courier"/>
+                <a:cs typeface="Courier"/>
+              </a:rPr>
+              <a:t>fq</a:t>
+            </a:r>
+          </a:p>
+          <a:p>
+            <a:pPr marL="0" indent="0">
+              <a:buNone/>
+            </a:pPr>
+            <a:endParaRPr lang="en-US" sz="1800" dirty="0" smtClean="0">
+              <a:latin typeface="Courier"/>
+              <a:cs typeface="Courier"/>
+            </a:endParaRPr>
+          </a:p>
+          <a:p>
+            <a:pPr marL="0" indent="0">
+              <a:buNone/>
+            </a:pPr>
+            <a:r>
+              <a:rPr lang="en-US" sz="1800" dirty="0" smtClean="0">
+                <a:latin typeface="Courier"/>
+                <a:cs typeface="Courier"/>
+              </a:rPr>
+              <a:t>### convert FASTQ to BAM</a:t>
+            </a:r>
+            <a:endParaRPr lang="en-US" sz="1800" dirty="0">
+              <a:latin typeface="Courier"/>
+              <a:cs typeface="Courier"/>
+            </a:endParaRPr>
+          </a:p>
+          <a:p>
+            <a:pPr marL="0" indent="0">
+              <a:buNone/>
+            </a:pPr>
+            <a:r>
+              <a:rPr lang="en-US" sz="1800" dirty="0">
+                <a:latin typeface="Courier"/>
+                <a:cs typeface="Courier"/>
+              </a:rPr>
+              <a:t>java -</a:t>
+            </a:r>
+            <a:r>
+              <a:rPr lang="en-US" sz="1800" dirty="0" smtClean="0">
+                <a:latin typeface="Courier"/>
+                <a:cs typeface="Courier"/>
+              </a:rPr>
+              <a:t>jar /homes/liu3zhen/local/jars/</a:t>
+            </a:r>
+            <a:r>
+              <a:rPr lang="en-US" sz="1800" dirty="0" err="1" smtClean="0">
+                <a:latin typeface="Courier"/>
+                <a:cs typeface="Courier"/>
+              </a:rPr>
+              <a:t>picard.jar</a:t>
+            </a:r>
+            <a:r>
+              <a:rPr lang="en-US" sz="1800" dirty="0" smtClean="0">
+                <a:latin typeface="Courier"/>
+                <a:cs typeface="Courier"/>
+              </a:rPr>
+              <a:t> </a:t>
+            </a:r>
+            <a:r>
+              <a:rPr lang="en-US" sz="1800" dirty="0" err="1" smtClean="0">
+                <a:latin typeface="Courier"/>
+                <a:cs typeface="Courier"/>
+              </a:rPr>
+              <a:t>FastqToSam</a:t>
+            </a:r>
+            <a:r>
+              <a:rPr lang="en-US" sz="1800" dirty="0" smtClean="0">
+                <a:latin typeface="Courier"/>
+                <a:cs typeface="Courier"/>
+              </a:rPr>
+              <a:t> \</a:t>
+            </a:r>
+          </a:p>
+          <a:p>
+            <a:pPr marL="0" indent="0">
+              <a:buNone/>
+            </a:pPr>
+            <a:r>
+              <a:rPr lang="en-US" sz="1800" dirty="0">
+                <a:latin typeface="Courier"/>
+                <a:cs typeface="Courier"/>
+              </a:rPr>
+              <a:t> </a:t>
+            </a:r>
+            <a:r>
+              <a:rPr lang="en-US" sz="1800" dirty="0" smtClean="0">
+                <a:latin typeface="Courier"/>
+                <a:cs typeface="Courier"/>
+              </a:rPr>
+              <a:t> F1</a:t>
+            </a:r>
+            <a:r>
+              <a:rPr lang="en-US" sz="1800" dirty="0">
+                <a:latin typeface="Courier"/>
+                <a:cs typeface="Courier"/>
+              </a:rPr>
+              <a:t>=s_R1.fq F2=s_R2.fq </a:t>
+            </a:r>
+            <a:r>
+              <a:rPr lang="en-US" sz="1800" dirty="0" smtClean="0">
+                <a:latin typeface="Courier"/>
+                <a:cs typeface="Courier"/>
+              </a:rPr>
+              <a:t>\</a:t>
+            </a:r>
+          </a:p>
+          <a:p>
+            <a:pPr marL="0" indent="0">
+              <a:buNone/>
+            </a:pPr>
+            <a:r>
+              <a:rPr lang="en-US" sz="1800" dirty="0">
+                <a:latin typeface="Courier"/>
+                <a:cs typeface="Courier"/>
+              </a:rPr>
+              <a:t> </a:t>
+            </a:r>
+            <a:r>
+              <a:rPr lang="en-US" sz="1800" dirty="0" smtClean="0">
+                <a:latin typeface="Courier"/>
+                <a:cs typeface="Courier"/>
+              </a:rPr>
+              <a:t> O</a:t>
+            </a:r>
+            <a:r>
+              <a:rPr lang="en-US" sz="1800" dirty="0">
+                <a:latin typeface="Courier"/>
+                <a:cs typeface="Courier"/>
+              </a:rPr>
+              <a:t>=</a:t>
+            </a:r>
+            <a:r>
+              <a:rPr lang="en-US" sz="1800" dirty="0" err="1">
                 <a:solidFill>
-                  <a:schemeClr val="tx2">
-                    <a:lumMod val="75000"/>
-                  </a:schemeClr>
+                  <a:srgbClr val="FF0000"/>
                 </a:solidFill>
-              </a:rPr>
-              <a:t>YOURPATH/</a:t>
-            </a:r>
-            <a:r>
-              <a:rPr lang="en-US" sz="2000" b="1" dirty="0" err="1" smtClean="0">
+                <a:latin typeface="Courier"/>
+                <a:cs typeface="Courier"/>
+              </a:rPr>
+              <a:t>s.bam</a:t>
+            </a:r>
+            <a:r>
+              <a:rPr lang="en-US" sz="1800" dirty="0">
+                <a:latin typeface="Courier"/>
+                <a:cs typeface="Courier"/>
+              </a:rPr>
+              <a:t> </a:t>
+            </a:r>
+            <a:r>
+              <a:rPr lang="en-US" sz="1800" dirty="0" smtClean="0">
+                <a:latin typeface="Courier"/>
+                <a:cs typeface="Courier"/>
+              </a:rPr>
+              <a:t>\</a:t>
+            </a:r>
+          </a:p>
+          <a:p>
+            <a:pPr marL="0" indent="0">
+              <a:buNone/>
+            </a:pPr>
+            <a:r>
+              <a:rPr lang="en-US" sz="1800" dirty="0">
+                <a:latin typeface="Courier"/>
+                <a:cs typeface="Courier"/>
+              </a:rPr>
+              <a:t> </a:t>
+            </a:r>
+            <a:r>
+              <a:rPr lang="en-US" sz="1800" dirty="0" smtClean="0">
+                <a:latin typeface="Courier"/>
+                <a:cs typeface="Courier"/>
+              </a:rPr>
+              <a:t> QUALITY_FORMAT</a:t>
+            </a:r>
+            <a:r>
+              <a:rPr lang="en-US" sz="1800" dirty="0">
+                <a:latin typeface="Courier"/>
+                <a:cs typeface="Courier"/>
+              </a:rPr>
+              <a:t>=</a:t>
+            </a:r>
+            <a:r>
+              <a:rPr lang="en-US" sz="1800" dirty="0" smtClean="0">
+                <a:latin typeface="Courier"/>
+                <a:cs typeface="Courier"/>
+              </a:rPr>
+              <a:t>Standard \</a:t>
+            </a:r>
+          </a:p>
+          <a:p>
+            <a:pPr marL="0" indent="0">
+              <a:buNone/>
+            </a:pPr>
+            <a:r>
+              <a:rPr lang="en-US" sz="1800" dirty="0">
+                <a:latin typeface="Courier"/>
+                <a:cs typeface="Courier"/>
+              </a:rPr>
+              <a:t> </a:t>
+            </a:r>
+            <a:r>
+              <a:rPr lang="en-US" sz="1800" dirty="0" smtClean="0">
+                <a:latin typeface="Courier"/>
+                <a:cs typeface="Courier"/>
+              </a:rPr>
+              <a:t> SAMPLE_NAME</a:t>
+            </a:r>
+            <a:r>
+              <a:rPr lang="en-US" sz="1800" dirty="0">
+                <a:latin typeface="Courier"/>
+                <a:cs typeface="Courier"/>
+              </a:rPr>
+              <a:t>=</a:t>
+            </a:r>
+            <a:r>
+              <a:rPr lang="en-US" sz="1800" dirty="0" smtClean="0">
+                <a:latin typeface="Courier"/>
+                <a:cs typeface="Courier"/>
+              </a:rPr>
+              <a:t>sample</a:t>
+            </a:r>
+          </a:p>
+          <a:p>
+            <a:pPr marL="0" indent="0">
+              <a:buNone/>
+            </a:pPr>
+            <a:endParaRPr lang="en-US" sz="1800" dirty="0"/>
+          </a:p>
+          <a:p>
+            <a:pPr marL="0" indent="0">
+              <a:buNone/>
+            </a:pPr>
+            <a:r>
+              <a:rPr lang="en-US" sz="2000" dirty="0" smtClean="0">
                 <a:solidFill>
-                  <a:schemeClr val="tx2">
-                    <a:lumMod val="75000"/>
-                  </a:schemeClr>
+                  <a:srgbClr val="FF0000"/>
                 </a:solidFill>
               </a:rPr>
-              <a:t>asm</a:t>
-            </a:r>
-            <a:r>
-              <a:rPr lang="en-US" sz="2000" b="1" dirty="0" smtClean="0">
+              <a:t>changing </a:t>
+            </a:r>
+            <a:r>
+              <a:rPr lang="en-US" sz="2000" dirty="0" err="1" smtClean="0">
                 <a:solidFill>
-                  <a:schemeClr val="tx2">
-                    <a:lumMod val="75000"/>
-                  </a:schemeClr>
+                  <a:srgbClr val="FF0000"/>
                 </a:solidFill>
               </a:rPr>
-              <a:t>/</a:t>
-            </a:r>
-            <a:r>
-              <a:rPr lang="en-US" sz="2000" b="1" dirty="0" err="1" smtClean="0">
+              <a:t>s.bam</a:t>
+            </a:r>
+            <a:r>
+              <a:rPr lang="en-US" sz="2000" dirty="0" smtClean="0">
                 <a:solidFill>
-                  <a:schemeClr val="tx2">
-                    <a:lumMod val="75000"/>
-                  </a:schemeClr>
+                  <a:srgbClr val="FF0000"/>
                 </a:solidFill>
               </a:rPr>
-              <a:t>a.final</a:t>
-            </a:r>
-            <a:r>
-              <a:rPr lang="en-US" sz="2000" b="1" dirty="0" smtClean="0">
+              <a:t> to </a:t>
+            </a:r>
+            <a:r>
+              <a:rPr lang="en-US" sz="2000" dirty="0" err="1" smtClean="0">
                 <a:solidFill>
-                  <a:schemeClr val="tx2">
-                    <a:lumMod val="75000"/>
-                  </a:schemeClr>
+                  <a:srgbClr val="FF0000"/>
                 </a:solidFill>
               </a:rPr>
-              <a:t>/</a:t>
-            </a:r>
-            <a:endParaRPr lang="en-US" sz="2000" b="1" dirty="0">
-              <a:solidFill>
-                <a:schemeClr val="tx2">
-                  <a:lumMod val="75000"/>
-                </a:schemeClr>
-              </a:solidFill>
-            </a:endParaRPr>
+              <a:t>s.sam</a:t>
+            </a:r>
+            <a:r>
+              <a:rPr lang="en-US" sz="2000" dirty="0" smtClean="0">
+                <a:solidFill>
+                  <a:srgbClr val="FF0000"/>
+                </a:solidFill>
+              </a:rPr>
+              <a:t> generates a SAM output</a:t>
+            </a:r>
           </a:p>
         </p:txBody>
       </p:sp>
     </p:spTree>
     <p:extLst>
       <p:ext uri="{BB962C8B-B14F-4D97-AF65-F5344CB8AC3E}">
-        <p14:creationId xmlns:p14="http://schemas.microsoft.com/office/powerpoint/2010/main" val="332543721"/>
+        <p14:creationId xmlns:p14="http://schemas.microsoft.com/office/powerpoint/2010/main" val="552801197"/>
       </p:ext>
     </p:extLst>
   </p:cSld>
@@ -6291,8 +6266,12 @@
           <a:lstStyle/>
           <a:p>
             <a:r>
+              <a:rPr lang="en-US" dirty="0" err="1" smtClean="0"/>
+              <a:t>DiscovarDeNovo</a:t>
+            </a:r>
+            <a:r>
               <a:rPr lang="en-US" dirty="0" smtClean="0"/>
-              <a:t>How to convert FASTQ to BAM?</a:t>
+              <a:t> assembly</a:t>
             </a:r>
             <a:endParaRPr lang="en-US" dirty="0"/>
           </a:p>
@@ -6310,13 +6289,13 @@
         </p:nvSpPr>
         <p:spPr>
           <a:xfrm>
-            <a:off x="457200" y="1058704"/>
-            <a:ext cx="8628558" cy="5011559"/>
+            <a:off x="384629" y="1158090"/>
+            <a:ext cx="8229600" cy="5282624"/>
           </a:xfrm>
         </p:spPr>
         <p:txBody>
           <a:bodyPr>
-            <a:normAutofit/>
+            <a:noAutofit/>
           </a:bodyPr>
           <a:lstStyle/>
           <a:p>
@@ -6324,11 +6303,11 @@
               <a:buNone/>
             </a:pPr>
             <a:r>
-              <a:rPr lang="en-US" sz="1800" dirty="0" smtClean="0">
-                <a:latin typeface="Courier"/>
-                <a:cs typeface="Courier"/>
-              </a:rPr>
-              <a:t>### randomly sample 100 paired reads:</a:t>
+              <a:rPr lang="en-US" sz="2000" dirty="0">
+                <a:latin typeface="Courier"/>
+                <a:cs typeface="Courier"/>
+              </a:rPr>
+              <a:t>#!/bin/bash -l</a:t>
             </a:r>
           </a:p>
           <a:p>
@@ -6336,53 +6315,55 @@
               <a:buNone/>
             </a:pPr>
             <a:r>
-              <a:rPr lang="en-US" sz="1800" dirty="0" err="1" smtClean="0">
-                <a:latin typeface="Courier"/>
-                <a:cs typeface="Courier"/>
-              </a:rPr>
-              <a:t>seqtk</a:t>
-            </a:r>
-            <a:r>
-              <a:rPr lang="en-US" sz="1800" dirty="0" smtClean="0">
-                <a:latin typeface="Courier"/>
-                <a:cs typeface="Courier"/>
-              </a:rPr>
-              <a:t> </a:t>
-            </a:r>
-            <a:r>
-              <a:rPr lang="en-US" sz="1800" dirty="0">
-                <a:latin typeface="Courier"/>
-                <a:cs typeface="Courier"/>
-              </a:rPr>
-              <a:t>sample -s 11 /homes/liu3zhen/teaching/BA19/Lab10_asm/data/</a:t>
-            </a:r>
-            <a:r>
-              <a:rPr lang="en-US" sz="1800" dirty="0" smtClean="0">
-                <a:latin typeface="Courier"/>
-                <a:cs typeface="Courier"/>
-              </a:rPr>
-              <a:t>MG1655_1.5M_R1</a:t>
-            </a:r>
-            <a:r>
-              <a:rPr lang="en-US" sz="1800" dirty="0">
-                <a:latin typeface="Courier"/>
-                <a:cs typeface="Courier"/>
-              </a:rPr>
-              <a:t>.fastq 100 &gt; s_R1.</a:t>
-            </a:r>
-            <a:r>
-              <a:rPr lang="en-US" sz="1800" dirty="0" smtClean="0">
-                <a:latin typeface="Courier"/>
-                <a:cs typeface="Courier"/>
-              </a:rPr>
-              <a:t>fq</a:t>
-            </a:r>
-          </a:p>
-          <a:p>
-            <a:pPr marL="0" indent="0">
-              <a:buNone/>
-            </a:pPr>
-            <a:endParaRPr lang="en-US" sz="1800" dirty="0" smtClean="0">
+              <a:rPr lang="en-US" sz="2000" dirty="0">
+                <a:latin typeface="Courier"/>
+                <a:cs typeface="Courier"/>
+              </a:rPr>
+              <a:t>#SBATCH --</a:t>
+            </a:r>
+            <a:r>
+              <a:rPr lang="en-US" sz="2000" dirty="0" err="1">
+                <a:latin typeface="Courier"/>
+                <a:cs typeface="Courier"/>
+              </a:rPr>
+              <a:t>mem</a:t>
+            </a:r>
+            <a:r>
+              <a:rPr lang="en-US" sz="2000" dirty="0">
+                <a:latin typeface="Courier"/>
+                <a:cs typeface="Courier"/>
+              </a:rPr>
+              <a:t>-per-</a:t>
+            </a:r>
+            <a:r>
+              <a:rPr lang="en-US" sz="2000" dirty="0" err="1">
+                <a:latin typeface="Courier"/>
+                <a:cs typeface="Courier"/>
+              </a:rPr>
+              <a:t>cpu</a:t>
+            </a:r>
+            <a:r>
+              <a:rPr lang="en-US" sz="2000" dirty="0" smtClean="0">
+                <a:latin typeface="Courier"/>
+                <a:cs typeface="Courier"/>
+              </a:rPr>
+              <a:t>=</a:t>
+            </a:r>
+            <a:r>
+              <a:rPr lang="en-US" sz="2000" dirty="0">
+                <a:latin typeface="Courier"/>
+                <a:cs typeface="Courier"/>
+              </a:rPr>
+              <a:t>4</a:t>
+            </a:r>
+            <a:r>
+              <a:rPr lang="en-US" sz="2000" dirty="0" smtClean="0">
+                <a:latin typeface="Courier"/>
+                <a:cs typeface="Courier"/>
+              </a:rPr>
+              <a:t>G</a:t>
+            </a:r>
+            <a:endParaRPr lang="en-US" sz="2000" dirty="0">
               <a:latin typeface="Courier"/>
               <a:cs typeface="Courier"/>
             </a:endParaRPr>
@@ -6392,53 +6373,20 @@
               <a:buNone/>
             </a:pPr>
             <a:r>
-              <a:rPr lang="en-US" sz="1800" dirty="0" err="1" smtClean="0">
-                <a:latin typeface="Courier"/>
-                <a:cs typeface="Courier"/>
-              </a:rPr>
-              <a:t>seqtk</a:t>
-            </a:r>
-            <a:r>
-              <a:rPr lang="en-US" sz="1800" dirty="0" smtClean="0">
-                <a:latin typeface="Courier"/>
-                <a:cs typeface="Courier"/>
-              </a:rPr>
-              <a:t> </a:t>
-            </a:r>
-            <a:r>
-              <a:rPr lang="en-US" sz="1800" dirty="0">
-                <a:latin typeface="Courier"/>
-                <a:cs typeface="Courier"/>
-              </a:rPr>
-              <a:t>sample -s 11 /homes/liu3zhen/teaching/BA19/Lab10_asm/data/</a:t>
-            </a:r>
-            <a:r>
-              <a:rPr lang="en-US" sz="1800" dirty="0" smtClean="0">
-                <a:latin typeface="Courier"/>
-                <a:cs typeface="Courier"/>
-              </a:rPr>
-              <a:t>MG1655_1.5M_R2</a:t>
-            </a:r>
-            <a:r>
-              <a:rPr lang="en-US" sz="1800" dirty="0">
-                <a:latin typeface="Courier"/>
-                <a:cs typeface="Courier"/>
-              </a:rPr>
-              <a:t>.fastq 100 &gt; s_R2.</a:t>
-            </a:r>
-            <a:r>
-              <a:rPr lang="en-US" sz="1800" dirty="0" smtClean="0">
-                <a:latin typeface="Courier"/>
-                <a:cs typeface="Courier"/>
-              </a:rPr>
-              <a:t>fq</a:t>
-            </a:r>
-          </a:p>
-          <a:p>
-            <a:pPr marL="0" indent="0">
-              <a:buNone/>
-            </a:pPr>
-            <a:endParaRPr lang="en-US" sz="1800" dirty="0" smtClean="0">
+              <a:rPr lang="en-US" sz="2000" dirty="0">
+                <a:latin typeface="Courier"/>
+                <a:cs typeface="Courier"/>
+              </a:rPr>
+              <a:t>#SBATCH </a:t>
+            </a:r>
+            <a:r>
+              <a:rPr lang="en-US" sz="2000" dirty="0" smtClean="0">
+                <a:latin typeface="Courier"/>
+                <a:cs typeface="Courier"/>
+              </a:rPr>
+              <a:t>--time=0-23:00:00</a:t>
+            </a:r>
+            <a:endParaRPr lang="en-US" sz="2000" dirty="0">
               <a:latin typeface="Courier"/>
               <a:cs typeface="Courier"/>
             </a:endParaRPr>
@@ -6448,13 +6396,98 @@
               <a:buNone/>
             </a:pPr>
             <a:r>
-              <a:rPr lang="en-US" sz="1800" dirty="0" smtClean="0">
-                <a:latin typeface="Courier"/>
-                <a:cs typeface="Courier"/>
-              </a:rPr>
-              <a:t>### convert FASTQ to BAM</a:t>
-            </a:r>
-            <a:endParaRPr lang="en-US" sz="1800" dirty="0">
+              <a:rPr lang="en-US" sz="2000" dirty="0">
+                <a:latin typeface="Courier"/>
+                <a:cs typeface="Courier"/>
+              </a:rPr>
+              <a:t>#SBATCH --nodes=1</a:t>
+            </a:r>
+          </a:p>
+          <a:p>
+            <a:pPr marL="0" indent="0">
+              <a:buNone/>
+            </a:pPr>
+            <a:r>
+              <a:rPr lang="en-US" sz="2000" dirty="0">
+                <a:latin typeface="Courier"/>
+                <a:cs typeface="Courier"/>
+              </a:rPr>
+              <a:t>#SBATCH --</a:t>
+            </a:r>
+            <a:r>
+              <a:rPr lang="en-US" sz="2000" dirty="0" err="1">
+                <a:latin typeface="Courier"/>
+                <a:cs typeface="Courier"/>
+              </a:rPr>
+              <a:t>ntasks</a:t>
+            </a:r>
+            <a:r>
+              <a:rPr lang="en-US" sz="2000" dirty="0">
+                <a:latin typeface="Courier"/>
+                <a:cs typeface="Courier"/>
+              </a:rPr>
+              <a:t>-per-node</a:t>
+            </a:r>
+            <a:r>
+              <a:rPr lang="en-US" sz="2000" dirty="0" smtClean="0">
+                <a:latin typeface="Courier"/>
+                <a:cs typeface="Courier"/>
+              </a:rPr>
+              <a:t>=</a:t>
+            </a:r>
+            <a:r>
+              <a:rPr lang="en-US" sz="2000" dirty="0">
+                <a:latin typeface="Courier"/>
+                <a:cs typeface="Courier"/>
+              </a:rPr>
+              <a:t>4</a:t>
+            </a:r>
+          </a:p>
+          <a:p>
+            <a:pPr marL="0" indent="0">
+              <a:buNone/>
+            </a:pPr>
+            <a:r>
+              <a:rPr lang="en-US" sz="2000" dirty="0" smtClean="0">
+                <a:latin typeface="Courier"/>
+                <a:cs typeface="Courier"/>
+              </a:rPr>
+              <a:t>#</a:t>
+            </a:r>
+            <a:r>
+              <a:rPr lang="en-US" sz="2000" dirty="0">
+                <a:latin typeface="Courier"/>
+                <a:cs typeface="Courier"/>
+              </a:rPr>
+              <a:t>########</a:t>
+            </a:r>
+          </a:p>
+          <a:p>
+            <a:pPr marL="0" indent="0">
+              <a:buNone/>
+            </a:pPr>
+            <a:r>
+              <a:rPr lang="en-US" sz="2000" dirty="0" err="1">
+                <a:latin typeface="Courier"/>
+                <a:cs typeface="Courier"/>
+              </a:rPr>
+              <a:t>readsBAM</a:t>
+            </a:r>
+            <a:r>
+              <a:rPr lang="en-US" sz="2000" dirty="0">
+                <a:latin typeface="Courier"/>
+                <a:cs typeface="Courier"/>
+              </a:rPr>
+              <a:t>=/homes/liu3zhen/teaching/BA19/Lab10_asm/data/</a:t>
+            </a:r>
+            <a:r>
+              <a:rPr lang="en-US" sz="2000" dirty="0" err="1" smtClean="0">
+                <a:latin typeface="Courier"/>
+                <a:cs typeface="Courier"/>
+              </a:rPr>
+              <a:t>reads.bam</a:t>
+            </a:r>
+            <a:endParaRPr lang="en-US" sz="2000" dirty="0" smtClean="0">
               <a:latin typeface="Courier"/>
               <a:cs typeface="Courier"/>
             </a:endParaRPr>
@@ -6464,42 +6497,58 @@
               <a:buNone/>
             </a:pPr>
             <a:r>
-              <a:rPr lang="en-US" sz="1800" dirty="0">
-                <a:latin typeface="Courier"/>
-                <a:cs typeface="Courier"/>
-              </a:rPr>
-              <a:t>java -</a:t>
-            </a:r>
-            <a:r>
-              <a:rPr lang="en-US" sz="1800" dirty="0" smtClean="0">
-                <a:latin typeface="Courier"/>
-                <a:cs typeface="Courier"/>
-              </a:rPr>
-              <a:t>jar /homes/liu3zhen/local/jars/</a:t>
-            </a:r>
-            <a:r>
-              <a:rPr lang="en-US" sz="1800" dirty="0" err="1" smtClean="0">
-                <a:latin typeface="Courier"/>
-                <a:cs typeface="Courier"/>
-              </a:rPr>
-              <a:t>picard.jar</a:t>
-            </a:r>
-            <a:r>
-              <a:rPr lang="en-US" sz="1800" dirty="0" smtClean="0">
-                <a:latin typeface="Courier"/>
-                <a:cs typeface="Courier"/>
-              </a:rPr>
-              <a:t> </a:t>
-            </a:r>
-            <a:r>
-              <a:rPr lang="en-US" sz="1800" dirty="0" err="1" smtClean="0">
-                <a:latin typeface="Courier"/>
-                <a:cs typeface="Courier"/>
-              </a:rPr>
-              <a:t>FastqToSam</a:t>
-            </a:r>
-            <a:r>
-              <a:rPr lang="en-US" sz="1800" dirty="0" smtClean="0">
+              <a:rPr lang="en-US" sz="2000" dirty="0" err="1" smtClean="0">
+                <a:latin typeface="Courier"/>
+                <a:cs typeface="Courier"/>
+              </a:rPr>
+              <a:t>outDIR</a:t>
+            </a:r>
+            <a:r>
+              <a:rPr lang="en-US" sz="2000" dirty="0">
+                <a:latin typeface="Courier"/>
+                <a:cs typeface="Courier"/>
+              </a:rPr>
+              <a:t>=./</a:t>
+            </a:r>
+            <a:r>
+              <a:rPr lang="en-US" sz="2000" dirty="0" err="1">
+                <a:latin typeface="Courier"/>
+                <a:cs typeface="Courier"/>
+              </a:rPr>
+              <a:t>asmout</a:t>
+            </a:r>
+            <a:endParaRPr lang="en-US" sz="2000" dirty="0">
+              <a:latin typeface="Courier"/>
+              <a:cs typeface="Courier"/>
+            </a:endParaRPr>
+          </a:p>
+          <a:p>
+            <a:pPr marL="0" indent="0">
+              <a:buNone/>
+            </a:pPr>
+            <a:r>
+              <a:rPr lang="en-US" sz="2000" dirty="0" smtClean="0">
+                <a:latin typeface="Courier"/>
+                <a:cs typeface="Courier"/>
+              </a:rPr>
+              <a:t>/</a:t>
+            </a:r>
+            <a:r>
+              <a:rPr lang="en-US" sz="2000" dirty="0">
+                <a:latin typeface="Courier"/>
+                <a:cs typeface="Courier"/>
+              </a:rPr>
+              <a:t>homes/liu3zhen/local/bin/</a:t>
+            </a:r>
+            <a:r>
+              <a:rPr lang="en-US" sz="2000" dirty="0" err="1">
+                <a:latin typeface="Courier"/>
+                <a:cs typeface="Courier"/>
+              </a:rPr>
+              <a:t>DiscovarDeNovo</a:t>
+            </a:r>
+            <a:r>
+              <a:rPr lang="en-US" sz="2000" dirty="0">
                 <a:latin typeface="Courier"/>
                 <a:cs typeface="Courier"/>
               </a:rPr>
@@ -6511,32 +6560,25 @@
               <a:buNone/>
             </a:pPr>
             <a:r>
-              <a:rPr lang="en-US" sz="1800" dirty="0">
-                <a:latin typeface="Courier"/>
-                <a:cs typeface="Courier"/>
-              </a:rPr>
-              <a:t> </a:t>
-            </a:r>
-            <a:r>
-              <a:rPr lang="en-US" sz="1800" dirty="0" smtClean="0">
-                <a:latin typeface="Courier"/>
-                <a:cs typeface="Courier"/>
-              </a:rPr>
-              <a:t> F1</a:t>
-            </a:r>
-            <a:r>
-              <a:rPr lang="en-US" sz="1800" dirty="0">
-                <a:latin typeface="Courier"/>
-                <a:cs typeface="Courier"/>
-              </a:rPr>
-              <a:t>=s_R1.fq F2=s_R2.fq </a:t>
-            </a:r>
-            <a:r>
-              <a:rPr lang="en-US" sz="1800" dirty="0" smtClean="0">
-                <a:latin typeface="Courier"/>
-                <a:cs typeface="Courier"/>
-              </a:rPr>
-              <a:t>\</a:t>
+              <a:rPr lang="en-US" sz="2000" dirty="0">
+                <a:latin typeface="Courier"/>
+                <a:cs typeface="Courier"/>
+              </a:rPr>
+              <a:t>	READS=$</a:t>
+            </a:r>
+            <a:r>
+              <a:rPr lang="en-US" sz="2000" dirty="0" err="1">
+                <a:latin typeface="Courier"/>
+                <a:cs typeface="Courier"/>
+              </a:rPr>
+              <a:t>readsBAM</a:t>
+            </a:r>
+            <a:r>
+              <a:rPr lang="en-US" sz="2000" dirty="0">
+                <a:latin typeface="Courier"/>
+                <a:cs typeface="Courier"/>
+              </a:rPr>
+              <a:t> \</a:t>
             </a:r>
           </a:p>
           <a:p>
@@ -6544,49 +6586,25 @@
               <a:buNone/>
             </a:pPr>
             <a:r>
-              <a:rPr lang="en-US" sz="1800" dirty="0">
-                <a:latin typeface="Courier"/>
-                <a:cs typeface="Courier"/>
-              </a:rPr>
-              <a:t> </a:t>
-            </a:r>
-            <a:r>
-              <a:rPr lang="en-US" sz="1800" dirty="0" smtClean="0">
-                <a:latin typeface="Courier"/>
-                <a:cs typeface="Courier"/>
-              </a:rPr>
-              <a:t> O</a:t>
-            </a:r>
-            <a:r>
-              <a:rPr lang="en-US" sz="1800" dirty="0">
-                <a:latin typeface="Courier"/>
-                <a:cs typeface="Courier"/>
-              </a:rPr>
-              <a:t>=</a:t>
-            </a:r>
-            <a:r>
-              <a:rPr lang="en-US" sz="1800" dirty="0" err="1">
-                <a:solidFill>
-                  <a:srgbClr val="FF0000"/>
-                </a:solidFill>
-                <a:latin typeface="Courier"/>
-                <a:cs typeface="Courier"/>
-              </a:rPr>
-              <a:t>s.bam</a:t>
-            </a:r>
-            <a:r>
-              <a:rPr lang="en-US" sz="1800" dirty="0">
-                <a:latin typeface="Courier"/>
-                <a:cs typeface="Courier"/>
-              </a:rPr>
-              <a:t> </a:t>
-            </a:r>
-            <a:r>
-              <a:rPr lang="en-US" sz="1800" dirty="0" smtClean="0">
-                <a:latin typeface="Courier"/>
-                <a:cs typeface="Courier"/>
-              </a:rPr>
-              <a:t>\</a:t>
+              <a:rPr lang="en-US" sz="2000" dirty="0">
+                <a:latin typeface="Courier"/>
+                <a:cs typeface="Courier"/>
+              </a:rPr>
+              <a:t>	OUT_DIR=$</a:t>
+            </a:r>
+            <a:r>
+              <a:rPr lang="en-US" sz="2000" dirty="0" err="1">
+                <a:latin typeface="Courier"/>
+                <a:cs typeface="Courier"/>
+              </a:rPr>
+              <a:t>outDIR</a:t>
+            </a:r>
+            <a:r>
+              <a:rPr lang="en-US" sz="2000" dirty="0">
+                <a:latin typeface="Courier"/>
+                <a:cs typeface="Courier"/>
+              </a:rPr>
+              <a:t> \</a:t>
             </a:r>
           </a:p>
           <a:p>
@@ -6594,124 +6612,53 @@
               <a:buNone/>
             </a:pPr>
             <a:r>
-              <a:rPr lang="en-US" sz="1800" dirty="0">
-                <a:latin typeface="Courier"/>
-                <a:cs typeface="Courier"/>
-              </a:rPr>
-              <a:t> </a:t>
-            </a:r>
-            <a:r>
-              <a:rPr lang="en-US" sz="1800" dirty="0" smtClean="0">
-                <a:latin typeface="Courier"/>
-                <a:cs typeface="Courier"/>
-              </a:rPr>
-              <a:t> QUALITY_FORMAT</a:t>
-            </a:r>
-            <a:r>
-              <a:rPr lang="en-US" sz="1800" dirty="0">
-                <a:latin typeface="Courier"/>
-                <a:cs typeface="Courier"/>
-              </a:rPr>
-              <a:t>=</a:t>
-            </a:r>
-            <a:r>
-              <a:rPr lang="en-US" sz="1800" dirty="0" smtClean="0">
-                <a:latin typeface="Courier"/>
-                <a:cs typeface="Courier"/>
-              </a:rPr>
-              <a:t>Standard \</a:t>
-            </a:r>
+              <a:rPr lang="en-US" sz="2000" dirty="0">
+                <a:latin typeface="Courier"/>
+                <a:cs typeface="Courier"/>
+              </a:rPr>
+              <a:t>	NUM_THREADS</a:t>
+            </a:r>
+            <a:r>
+              <a:rPr lang="en-US" sz="2000" dirty="0" smtClean="0">
+                <a:latin typeface="Courier"/>
+                <a:cs typeface="Courier"/>
+              </a:rPr>
+              <a:t>=4 \</a:t>
+            </a:r>
+            <a:endParaRPr lang="en-US" sz="2000" dirty="0">
+              <a:latin typeface="Courier"/>
+              <a:cs typeface="Courier"/>
+            </a:endParaRPr>
           </a:p>
           <a:p>
             <a:pPr marL="0" indent="0">
               <a:buNone/>
             </a:pPr>
             <a:r>
-              <a:rPr lang="en-US" sz="1800" dirty="0">
-                <a:latin typeface="Courier"/>
-                <a:cs typeface="Courier"/>
-              </a:rPr>
-              <a:t> </a:t>
-            </a:r>
-            <a:r>
-              <a:rPr lang="en-US" sz="1800" dirty="0" smtClean="0">
-                <a:latin typeface="Courier"/>
-                <a:cs typeface="Courier"/>
-              </a:rPr>
-              <a:t> SAMPLE_NAME</a:t>
-            </a:r>
-            <a:r>
-              <a:rPr lang="en-US" sz="1800" dirty="0">
-                <a:latin typeface="Courier"/>
-                <a:cs typeface="Courier"/>
-              </a:rPr>
-              <a:t>=</a:t>
-            </a:r>
-            <a:r>
-              <a:rPr lang="en-US" sz="1800" dirty="0" smtClean="0">
-                <a:latin typeface="Courier"/>
-                <a:cs typeface="Courier"/>
-              </a:rPr>
-              <a:t>sample</a:t>
-            </a:r>
-          </a:p>
-          <a:p>
-            <a:pPr marL="0" indent="0">
-              <a:buNone/>
-            </a:pPr>
-            <a:endParaRPr lang="en-US" sz="1800" dirty="0"/>
-          </a:p>
-          <a:p>
-            <a:pPr marL="0" indent="0">
-              <a:buNone/>
-            </a:pPr>
+              <a:rPr lang="en-US" sz="2000" dirty="0">
+                <a:latin typeface="Courier"/>
+                <a:cs typeface="Courier"/>
+              </a:rPr>
+              <a:t>	MAX_MEM_GB</a:t>
+            </a:r>
             <a:r>
               <a:rPr lang="en-US" sz="2000" dirty="0" smtClean="0">
-                <a:solidFill>
-                  <a:srgbClr val="FF0000"/>
-                </a:solidFill>
-              </a:rPr>
-              <a:t>changing </a:t>
-            </a:r>
-            <a:r>
-              <a:rPr lang="en-US" sz="2000" dirty="0" err="1" smtClean="0">
-                <a:solidFill>
-                  <a:srgbClr val="FF0000"/>
-                </a:solidFill>
-              </a:rPr>
-              <a:t>s.bam</a:t>
-            </a:r>
-            <a:r>
-              <a:rPr lang="en-US" sz="2000" dirty="0" smtClean="0">
-                <a:solidFill>
-                  <a:srgbClr val="FF0000"/>
-                </a:solidFill>
-              </a:rPr>
-              <a:t> to </a:t>
-            </a:r>
-            <a:r>
-              <a:rPr lang="en-US" sz="2000" dirty="0" err="1" smtClean="0">
-                <a:solidFill>
-                  <a:srgbClr val="FF0000"/>
-                </a:solidFill>
-              </a:rPr>
-              <a:t>s.sam</a:t>
-            </a:r>
-            <a:r>
-              <a:rPr lang="en-US" sz="2000" dirty="0" smtClean="0">
-                <a:solidFill>
-                  <a:srgbClr val="FF0000"/>
-                </a:solidFill>
-              </a:rPr>
-              <a:t> generates a SAM output</a:t>
-            </a:r>
+                <a:latin typeface="Courier"/>
+                <a:cs typeface="Courier"/>
+              </a:rPr>
+              <a:t>=16</a:t>
+            </a:r>
+            <a:endParaRPr lang="en-US" sz="2000" dirty="0">
+              <a:latin typeface="Courier"/>
+              <a:cs typeface="Courier"/>
+            </a:endParaRPr>
           </a:p>
         </p:txBody>
       </p:sp>
     </p:spTree>
     <p:extLst>
       <p:ext uri="{BB962C8B-B14F-4D97-AF65-F5344CB8AC3E}">
-        <p14:creationId xmlns:p14="http://schemas.microsoft.com/office/powerpoint/2010/main" val="552801197"/>
+        <p14:creationId xmlns:p14="http://schemas.microsoft.com/office/powerpoint/2010/main" val="361047388"/>
       </p:ext>
     </p:extLst>
   </p:cSld>
@@ -6762,11 +6709,11 @@
           <a:p>
             <a:r>
               <a:rPr lang="en-US" dirty="0" err="1" smtClean="0"/>
-              <a:t>DiscovarDeNovo</a:t>
+              <a:t>Discovar</a:t>
             </a:r>
             <a:r>
               <a:rPr lang="en-US" dirty="0" smtClean="0"/>
-              <a:t> assembly</a:t>
+              <a:t> output</a:t>
             </a:r>
             <a:endParaRPr lang="en-US" dirty="0"/>
           </a:p>
@@ -6784,368 +6731,242 @@
         </p:nvSpPr>
         <p:spPr>
           <a:xfrm>
-            <a:off x="384629" y="1158090"/>
-            <a:ext cx="8229600" cy="5282624"/>
+            <a:off x="457200" y="3444708"/>
+            <a:ext cx="8229600" cy="1934814"/>
           </a:xfrm>
         </p:spPr>
         <p:txBody>
-          <a:bodyPr>
-            <a:noAutofit/>
+          <a:bodyPr/>
+          <a:lstStyle/>
+          <a:p>
+            <a:pPr marL="0" indent="0">
+              <a:buNone/>
+            </a:pPr>
+            <a:r>
+              <a:rPr lang="en-US" b="1" dirty="0" err="1">
+                <a:solidFill>
+                  <a:srgbClr val="17375E"/>
+                </a:solidFill>
+              </a:rPr>
+              <a:t>a.fasta</a:t>
+            </a:r>
+            <a:r>
+              <a:rPr lang="en-US" dirty="0"/>
+              <a:t> = </a:t>
+            </a:r>
+            <a:r>
+              <a:rPr lang="en-US" dirty="0" err="1"/>
+              <a:t>fasta</a:t>
+            </a:r>
+            <a:r>
+              <a:rPr lang="en-US" dirty="0"/>
+              <a:t> file of </a:t>
+            </a:r>
+            <a:r>
+              <a:rPr lang="en-US" dirty="0" smtClean="0"/>
+              <a:t>edges</a:t>
+            </a:r>
+          </a:p>
+          <a:p>
+            <a:pPr marL="0" indent="0">
+              <a:buNone/>
+            </a:pPr>
+            <a:endParaRPr lang="en-US" dirty="0"/>
+          </a:p>
+          <a:p>
+            <a:pPr marL="0" indent="0">
+              <a:buNone/>
+            </a:pPr>
+            <a:r>
+              <a:rPr lang="en-US" b="1" dirty="0" err="1" smtClean="0">
+                <a:solidFill>
+                  <a:srgbClr val="17375E"/>
+                </a:solidFill>
+              </a:rPr>
+              <a:t>a.lines.fasta</a:t>
+            </a:r>
+            <a:r>
+              <a:rPr lang="en-US" dirty="0" smtClean="0"/>
+              <a:t> </a:t>
+            </a:r>
+            <a:r>
+              <a:rPr lang="en-US" dirty="0"/>
+              <a:t>= standard scaffold </a:t>
+            </a:r>
+            <a:r>
+              <a:rPr lang="en-US" dirty="0" err="1"/>
+              <a:t>fasta</a:t>
+            </a:r>
+            <a:r>
+              <a:rPr lang="en-US" dirty="0"/>
+              <a:t> file, obtained by taking the highest coverage path through each cell; LOSES </a:t>
+            </a:r>
+            <a:r>
+              <a:rPr lang="en-US" dirty="0" smtClean="0"/>
+              <a:t>INFORMATION</a:t>
+            </a:r>
+            <a:endParaRPr lang="en-US" dirty="0"/>
+          </a:p>
+        </p:txBody>
+      </p:sp>
+      <p:pic>
+        <p:nvPicPr>
+          <p:cNvPr id="4" name="Picture 3"/>
+          <p:cNvPicPr>
+            <a:picLocks noChangeAspect="1"/>
+          </p:cNvPicPr>
+          <p:nvPr/>
+        </p:nvPicPr>
+        <p:blipFill>
+          <a:blip r:embed="rId2"/>
+          <a:stretch>
+            <a:fillRect/>
+          </a:stretch>
+        </p:blipFill>
+        <p:spPr>
+          <a:xfrm>
+            <a:off x="190500" y="1930400"/>
+            <a:ext cx="8750300" cy="596900"/>
+          </a:xfrm>
+          <a:prstGeom prst="rect">
+            <a:avLst/>
+          </a:prstGeom>
+        </p:spPr>
+      </p:pic>
+      <p:sp>
+        <p:nvSpPr>
+          <p:cNvPr id="5" name="Rectangle 4"/>
+          <p:cNvSpPr/>
+          <p:nvPr/>
+        </p:nvSpPr>
+        <p:spPr>
+          <a:xfrm>
+            <a:off x="457200" y="5941797"/>
+            <a:ext cx="7161593" cy="369332"/>
+          </a:xfrm>
+          <a:prstGeom prst="rect">
+            <a:avLst/>
+          </a:prstGeom>
+        </p:spPr>
+        <p:txBody>
+          <a:bodyPr wrap="square">
+            <a:spAutoFit/>
           </a:bodyPr>
           <a:lstStyle/>
           <a:p>
-            <a:pPr marL="0" indent="0">
-              <a:buNone/>
-            </a:pPr>
-            <a:r>
-              <a:rPr lang="en-US" sz="2000" dirty="0">
-                <a:latin typeface="Courier"/>
-                <a:cs typeface="Courier"/>
-              </a:rPr>
-              <a:t>#!/bin/bash -l</a:t>
-            </a:r>
-          </a:p>
-          <a:p>
-            <a:pPr marL="0" indent="0">
-              <a:buNone/>
-            </a:pPr>
-            <a:r>
-              <a:rPr lang="en-US" sz="2000" dirty="0">
-                <a:latin typeface="Courier"/>
-                <a:cs typeface="Courier"/>
-              </a:rPr>
-              <a:t>#SBATCH --</a:t>
-            </a:r>
-            <a:r>
-              <a:rPr lang="en-US" sz="2000" dirty="0" err="1">
-                <a:latin typeface="Courier"/>
-                <a:cs typeface="Courier"/>
-              </a:rPr>
-              <a:t>mem</a:t>
-            </a:r>
-            <a:r>
-              <a:rPr lang="en-US" sz="2000" dirty="0">
-                <a:latin typeface="Courier"/>
-                <a:cs typeface="Courier"/>
-              </a:rPr>
-              <a:t>-per-</a:t>
-            </a:r>
-            <a:r>
-              <a:rPr lang="en-US" sz="2000" dirty="0" err="1">
-                <a:latin typeface="Courier"/>
-                <a:cs typeface="Courier"/>
-              </a:rPr>
-              <a:t>cpu</a:t>
-            </a:r>
-            <a:r>
-              <a:rPr lang="en-US" sz="2000" dirty="0" smtClean="0">
-                <a:latin typeface="Courier"/>
-                <a:cs typeface="Courier"/>
-              </a:rPr>
-              <a:t>=</a:t>
-            </a:r>
-            <a:r>
-              <a:rPr lang="en-US" sz="2000" dirty="0">
-                <a:latin typeface="Courier"/>
-                <a:cs typeface="Courier"/>
-              </a:rPr>
-              <a:t>4</a:t>
-            </a:r>
-            <a:r>
-              <a:rPr lang="en-US" sz="2000" dirty="0" smtClean="0">
-                <a:latin typeface="Courier"/>
-                <a:cs typeface="Courier"/>
-              </a:rPr>
-              <a:t>G</a:t>
-            </a:r>
-            <a:endParaRPr lang="en-US" sz="2000" dirty="0">
-              <a:latin typeface="Courier"/>
-              <a:cs typeface="Courier"/>
-            </a:endParaRPr>
-          </a:p>
-          <a:p>
-            <a:pPr marL="0" indent="0">
-              <a:buNone/>
-            </a:pPr>
-            <a:r>
-              <a:rPr lang="en-US" sz="2000" dirty="0">
-                <a:latin typeface="Courier"/>
-                <a:cs typeface="Courier"/>
-              </a:rPr>
-              <a:t>#SBATCH </a:t>
-            </a:r>
-            <a:r>
-              <a:rPr lang="en-US" sz="2000" dirty="0" smtClean="0">
-                <a:latin typeface="Courier"/>
-                <a:cs typeface="Courier"/>
-              </a:rPr>
-              <a:t>--time=0-23:00:00</a:t>
-            </a:r>
-            <a:endParaRPr lang="en-US" sz="2000" dirty="0">
-              <a:latin typeface="Courier"/>
-              <a:cs typeface="Courier"/>
-            </a:endParaRPr>
-          </a:p>
-          <a:p>
-            <a:pPr marL="0" indent="0">
-              <a:buNone/>
-            </a:pPr>
-            <a:r>
-              <a:rPr lang="en-US" sz="2000" dirty="0">
-                <a:latin typeface="Courier"/>
-                <a:cs typeface="Courier"/>
-              </a:rPr>
-              <a:t>#SBATCH --nodes=1</a:t>
-            </a:r>
-          </a:p>
-          <a:p>
-            <a:pPr marL="0" indent="0">
-              <a:buNone/>
-            </a:pPr>
-            <a:r>
-              <a:rPr lang="en-US" sz="2000" dirty="0">
-                <a:latin typeface="Courier"/>
-                <a:cs typeface="Courier"/>
-              </a:rPr>
-              <a:t>#SBATCH --</a:t>
-            </a:r>
-            <a:r>
-              <a:rPr lang="en-US" sz="2000" dirty="0" err="1">
-                <a:latin typeface="Courier"/>
-                <a:cs typeface="Courier"/>
-              </a:rPr>
-              <a:t>ntasks</a:t>
-            </a:r>
-            <a:r>
-              <a:rPr lang="en-US" sz="2000" dirty="0">
-                <a:latin typeface="Courier"/>
-                <a:cs typeface="Courier"/>
-              </a:rPr>
-              <a:t>-per-node</a:t>
-            </a:r>
-            <a:r>
-              <a:rPr lang="en-US" sz="2000" dirty="0" smtClean="0">
-                <a:latin typeface="Courier"/>
-                <a:cs typeface="Courier"/>
-              </a:rPr>
-              <a:t>=</a:t>
-            </a:r>
-            <a:r>
-              <a:rPr lang="en-US" sz="2000" dirty="0">
-                <a:latin typeface="Courier"/>
-                <a:cs typeface="Courier"/>
-              </a:rPr>
-              <a:t>4</a:t>
-            </a:r>
-          </a:p>
-          <a:p>
-            <a:pPr marL="0" indent="0">
-              <a:buNone/>
-            </a:pPr>
-            <a:r>
-              <a:rPr lang="en-US" sz="2000" dirty="0" smtClean="0">
-                <a:latin typeface="Courier"/>
-                <a:cs typeface="Courier"/>
-              </a:rPr>
-              <a:t>#</a:t>
-            </a:r>
-            <a:r>
-              <a:rPr lang="en-US" sz="2000" dirty="0">
-                <a:latin typeface="Courier"/>
-                <a:cs typeface="Courier"/>
-              </a:rPr>
-              <a:t>########</a:t>
-            </a:r>
-          </a:p>
-          <a:p>
-            <a:pPr marL="0" indent="0">
-              <a:buNone/>
-            </a:pPr>
-            <a:r>
-              <a:rPr lang="en-US" sz="2000" dirty="0" err="1">
-                <a:latin typeface="Courier"/>
-                <a:cs typeface="Courier"/>
-              </a:rPr>
-              <a:t>readsBAM</a:t>
-            </a:r>
-            <a:r>
-              <a:rPr lang="en-US" sz="2000" dirty="0">
-                <a:latin typeface="Courier"/>
-                <a:cs typeface="Courier"/>
-              </a:rPr>
-              <a:t>=/homes/liu3zhen/teaching/BA19/Lab10_asm/data/</a:t>
-            </a:r>
-            <a:r>
-              <a:rPr lang="en-US" sz="2000" dirty="0" err="1" smtClean="0">
-                <a:latin typeface="Courier"/>
-                <a:cs typeface="Courier"/>
-              </a:rPr>
-              <a:t>reads.bam</a:t>
-            </a:r>
-            <a:endParaRPr lang="en-US" sz="2000" dirty="0" smtClean="0">
-              <a:latin typeface="Courier"/>
-              <a:cs typeface="Courier"/>
-            </a:endParaRPr>
-          </a:p>
-          <a:p>
-            <a:pPr marL="0" indent="0">
-              <a:buNone/>
-            </a:pPr>
-            <a:r>
-              <a:rPr lang="en-US" sz="2000" dirty="0" err="1" smtClean="0">
-                <a:latin typeface="Courier"/>
-                <a:cs typeface="Courier"/>
-              </a:rPr>
-              <a:t>outDIR</a:t>
-            </a:r>
-            <a:r>
-              <a:rPr lang="en-US" sz="2000" dirty="0">
-                <a:latin typeface="Courier"/>
-                <a:cs typeface="Courier"/>
-              </a:rPr>
-              <a:t>=./</a:t>
-            </a:r>
-            <a:r>
-              <a:rPr lang="en-US" sz="2000" dirty="0" err="1">
-                <a:latin typeface="Courier"/>
-                <a:cs typeface="Courier"/>
-              </a:rPr>
-              <a:t>asmout</a:t>
-            </a:r>
-            <a:endParaRPr lang="en-US" sz="2000" dirty="0">
-              <a:latin typeface="Courier"/>
-              <a:cs typeface="Courier"/>
-            </a:endParaRPr>
-          </a:p>
-          <a:p>
-            <a:pPr marL="0" indent="0">
-              <a:buNone/>
-            </a:pPr>
-            <a:r>
-              <a:rPr lang="en-US" sz="2000" dirty="0" smtClean="0">
-                <a:latin typeface="Courier"/>
-                <a:cs typeface="Courier"/>
+            <a:r>
+              <a:rPr lang="en-US" dirty="0"/>
+              <a:t>http://</a:t>
+            </a:r>
+            <a:r>
+              <a:rPr lang="en-US" dirty="0" err="1"/>
+              <a:t>www.broadinstitute.org</a:t>
+            </a:r>
+            <a:r>
+              <a:rPr lang="en-US" dirty="0"/>
+              <a:t>/software/</a:t>
+            </a:r>
+            <a:r>
+              <a:rPr lang="en-US" dirty="0" err="1"/>
+              <a:t>discovar</a:t>
+            </a:r>
+            <a:r>
+              <a:rPr lang="en-US" dirty="0"/>
+              <a:t>/blog/?</a:t>
+            </a:r>
+            <a:r>
+              <a:rPr lang="en-US" dirty="0" err="1"/>
+              <a:t>page_id</a:t>
+            </a:r>
+            <a:r>
+              <a:rPr lang="en-US" dirty="0"/>
+              <a:t>=517</a:t>
+            </a:r>
+          </a:p>
+        </p:txBody>
+      </p:sp>
+      <p:sp>
+        <p:nvSpPr>
+          <p:cNvPr id="6" name="TextBox 5"/>
+          <p:cNvSpPr txBox="1"/>
+          <p:nvPr/>
+        </p:nvSpPr>
+        <p:spPr>
+          <a:xfrm>
+            <a:off x="447315" y="2939285"/>
+            <a:ext cx="4275529" cy="400110"/>
+          </a:xfrm>
+          <a:prstGeom prst="rect">
+            <a:avLst/>
+          </a:prstGeom>
+          <a:noFill/>
+        </p:spPr>
+        <p:txBody>
+          <a:bodyPr wrap="none" rtlCol="0">
+            <a:spAutoFit/>
+          </a:bodyPr>
+          <a:lstStyle/>
+          <a:p>
+            <a:r>
+              <a:rPr lang="en-US" dirty="0" smtClean="0"/>
+              <a:t>In the folder of </a:t>
+            </a:r>
+            <a:r>
+              <a:rPr lang="en-US" sz="2000" b="1" dirty="0" smtClean="0">
+                <a:solidFill>
+                  <a:schemeClr val="tx2">
+                    <a:lumMod val="75000"/>
+                  </a:schemeClr>
+                </a:solidFill>
+              </a:rPr>
+              <a:t>YOURPATH/</a:t>
+            </a:r>
+            <a:r>
+              <a:rPr lang="en-US" sz="2000" b="1" dirty="0" err="1" smtClean="0">
+                <a:solidFill>
+                  <a:schemeClr val="tx2">
+                    <a:lumMod val="75000"/>
+                  </a:schemeClr>
+                </a:solidFill>
+              </a:rPr>
+              <a:t>asm</a:t>
+            </a:r>
+            <a:r>
+              <a:rPr lang="en-US" sz="2000" b="1" dirty="0" smtClean="0">
+                <a:solidFill>
+                  <a:schemeClr val="tx2">
+                    <a:lumMod val="75000"/>
+                  </a:schemeClr>
+                </a:solidFill>
               </a:rPr>
               <a:t>/</a:t>
             </a:r>
             <a:r>
-              <a:rPr lang="en-US" sz="2000" dirty="0">
-                <a:latin typeface="Courier"/>
-                <a:cs typeface="Courier"/>
-              </a:rPr>
-              <a:t>homes/liu3zhen/local/bin/</a:t>
-            </a:r>
-            <a:r>
-              <a:rPr lang="en-US" sz="2000" dirty="0" err="1">
-                <a:latin typeface="Courier"/>
-                <a:cs typeface="Courier"/>
-              </a:rPr>
-              <a:t>DiscovarDeNovo</a:t>
-            </a:r>
-            <a:r>
-              <a:rPr lang="en-US" sz="2000" dirty="0">
-                <a:latin typeface="Courier"/>
-                <a:cs typeface="Courier"/>
-              </a:rPr>
-              <a:t> \</a:t>
-            </a:r>
-          </a:p>
-          <a:p>
-            <a:pPr marL="0" indent="0">
-              <a:buNone/>
-            </a:pPr>
-            <a:r>
-              <a:rPr lang="en-US" sz="2000" dirty="0">
-                <a:latin typeface="Courier"/>
-                <a:cs typeface="Courier"/>
-              </a:rPr>
-              <a:t>	READS=$</a:t>
-            </a:r>
-            <a:r>
-              <a:rPr lang="en-US" sz="2000" dirty="0" err="1">
-                <a:latin typeface="Courier"/>
-                <a:cs typeface="Courier"/>
-              </a:rPr>
-              <a:t>readsBAM</a:t>
-            </a:r>
-            <a:r>
-              <a:rPr lang="en-US" sz="2000" dirty="0">
-                <a:latin typeface="Courier"/>
-                <a:cs typeface="Courier"/>
-              </a:rPr>
-              <a:t> \</a:t>
-            </a:r>
-          </a:p>
-          <a:p>
-            <a:pPr marL="0" indent="0">
-              <a:buNone/>
-            </a:pPr>
-            <a:r>
-              <a:rPr lang="en-US" sz="2000" dirty="0">
-                <a:latin typeface="Courier"/>
-                <a:cs typeface="Courier"/>
-              </a:rPr>
-              <a:t>	OUT_DIR=$</a:t>
-            </a:r>
-            <a:r>
-              <a:rPr lang="en-US" sz="2000" dirty="0" err="1">
-                <a:latin typeface="Courier"/>
-                <a:cs typeface="Courier"/>
-              </a:rPr>
-              <a:t>outDIR</a:t>
-            </a:r>
-            <a:r>
-              <a:rPr lang="en-US" sz="2000" dirty="0">
-                <a:latin typeface="Courier"/>
-                <a:cs typeface="Courier"/>
-              </a:rPr>
-              <a:t> \</a:t>
-            </a:r>
-          </a:p>
-          <a:p>
-            <a:pPr marL="0" indent="0">
-              <a:buNone/>
-            </a:pPr>
-            <a:r>
-              <a:rPr lang="en-US" sz="2000" dirty="0">
-                <a:latin typeface="Courier"/>
-                <a:cs typeface="Courier"/>
-              </a:rPr>
-              <a:t>	NUM_THREADS</a:t>
-            </a:r>
-            <a:r>
-              <a:rPr lang="en-US" sz="2000" dirty="0" smtClean="0">
-                <a:latin typeface="Courier"/>
-                <a:cs typeface="Courier"/>
-              </a:rPr>
-              <a:t>=4 \</a:t>
-            </a:r>
-            <a:endParaRPr lang="en-US" sz="2000" dirty="0">
-              <a:latin typeface="Courier"/>
-              <a:cs typeface="Courier"/>
-            </a:endParaRPr>
-          </a:p>
-          <a:p>
-            <a:pPr marL="0" indent="0">
-              <a:buNone/>
-            </a:pPr>
-            <a:r>
-              <a:rPr lang="en-US" sz="2000" dirty="0">
-                <a:latin typeface="Courier"/>
-                <a:cs typeface="Courier"/>
-              </a:rPr>
-              <a:t>	MAX_MEM_GB</a:t>
-            </a:r>
-            <a:r>
-              <a:rPr lang="en-US" sz="2000" dirty="0" smtClean="0">
-                <a:latin typeface="Courier"/>
-                <a:cs typeface="Courier"/>
-              </a:rPr>
-              <a:t>=16</a:t>
-            </a:r>
-            <a:endParaRPr lang="en-US" sz="2000" dirty="0">
-              <a:latin typeface="Courier"/>
-              <a:cs typeface="Courier"/>
+              <a:rPr lang="en-US" sz="2000" b="1" dirty="0" err="1" smtClean="0">
+                <a:solidFill>
+                  <a:schemeClr val="tx2">
+                    <a:lumMod val="75000"/>
+                  </a:schemeClr>
+                </a:solidFill>
+              </a:rPr>
+              <a:t>a.final</a:t>
+            </a:r>
+            <a:r>
+              <a:rPr lang="en-US" sz="2000" b="1" dirty="0" smtClean="0">
+                <a:solidFill>
+                  <a:schemeClr val="tx2">
+                    <a:lumMod val="75000"/>
+                  </a:schemeClr>
+                </a:solidFill>
+              </a:rPr>
+              <a:t>/</a:t>
+            </a:r>
+            <a:endParaRPr lang="en-US" sz="2000" b="1" dirty="0">
+              <a:solidFill>
+                <a:schemeClr val="tx2">
+                  <a:lumMod val="75000"/>
+                </a:schemeClr>
+              </a:solidFill>
             </a:endParaRPr>
           </a:p>
         </p:txBody>
@@ -7153,13 +6974,20 @@
     </p:spTree>
     <p:extLst>
       <p:ext uri="{BB962C8B-B14F-4D97-AF65-F5344CB8AC3E}">
-        <p14:creationId xmlns:p14="http://schemas.microsoft.com/office/powerpoint/2010/main" val="361047388"/>
+        <p14:creationId xmlns:p14="http://schemas.microsoft.com/office/powerpoint/2010/main" val="332543721"/>
       </p:ext>
     </p:extLst>
   </p:cSld>
   <p:clrMapOvr>
     <a:masterClrMapping/>
   </p:clrMapOvr>
+  <p:timing>
+    <p:tnLst>
+      <p:par>
+        <p:cTn xmlns:p14="http://schemas.microsoft.com/office/powerpoint/2010/main" id="1" dur="indefinite" restart="never" nodeType="tmRoot"/>
+      </p:par>
+    </p:tnLst>
+  </p:timing>
 </p:sld>
 </file>
 
@@ -7395,7 +7223,7 @@
                 <a:latin typeface="Courier"/>
                 <a:cs typeface="Courier"/>
               </a:rPr>
-              <a:t>Lab13_asm</a:t>
+              <a:t>Lab10_asm</a:t>
             </a:r>
             <a:r>
               <a:rPr lang="fr-FR" sz="3600" dirty="0">
@@ -9212,14 +9040,14 @@
                 <a:latin typeface="Courier"/>
                 <a:cs typeface="Courier"/>
               </a:rPr>
-              <a:t>#!/bin/bash </a:t>
+              <a:t>#!/bin/bash -</a:t>
             </a:r>
             <a:r>
               <a:rPr lang="en-US" sz="1600" dirty="0" smtClean="0">
                 <a:latin typeface="Courier"/>
                 <a:cs typeface="Courier"/>
               </a:rPr>
-              <a:t>–l</a:t>
+              <a:t>l</a:t>
             </a:r>
             <a:endParaRPr lang="en-US" sz="1600" dirty="0">
               <a:latin typeface="Courier"/>
